--- a/assets/gifs/img/barra de color.pptx
+++ b/assets/gifs/img/barra de color.pptx
@@ -104,6 +104,11 @@
       </a:defRPr>
     </a:lvl9pPr>
   </p:defaultTextStyle>
+  <p:extLst>
+    <p:ext uri="{EFAFB233-063F-42B5-8137-9DF3F51BA10A}">
+      <p15:sldGuideLst xmlns:p15="http://schemas.microsoft.com/office/powerpoint/2012/main"/>
+    </p:ext>
+  </p:extLst>
 </p:presentation>
 </file>
 
@@ -256,7 +261,7 @@
           <a:p>
             <a:fld id="{641BC44A-1E90-41FA-B365-D27F57F1E3E7}" type="datetimeFigureOut">
               <a:rPr lang="es-MX" smtClean="0"/>
-              <a:t>17/06/2022</a:t>
+              <a:t>21/06/2022</a:t>
             </a:fld>
             <a:endParaRPr lang="es-MX"/>
           </a:p>
@@ -456,7 +461,7 @@
           <a:p>
             <a:fld id="{641BC44A-1E90-41FA-B365-D27F57F1E3E7}" type="datetimeFigureOut">
               <a:rPr lang="es-MX" smtClean="0"/>
-              <a:t>17/06/2022</a:t>
+              <a:t>21/06/2022</a:t>
             </a:fld>
             <a:endParaRPr lang="es-MX"/>
           </a:p>
@@ -666,7 +671,7 @@
           <a:p>
             <a:fld id="{641BC44A-1E90-41FA-B365-D27F57F1E3E7}" type="datetimeFigureOut">
               <a:rPr lang="es-MX" smtClean="0"/>
-              <a:t>17/06/2022</a:t>
+              <a:t>21/06/2022</a:t>
             </a:fld>
             <a:endParaRPr lang="es-MX"/>
           </a:p>
@@ -866,7 +871,7 @@
           <a:p>
             <a:fld id="{641BC44A-1E90-41FA-B365-D27F57F1E3E7}" type="datetimeFigureOut">
               <a:rPr lang="es-MX" smtClean="0"/>
-              <a:t>17/06/2022</a:t>
+              <a:t>21/06/2022</a:t>
             </a:fld>
             <a:endParaRPr lang="es-MX"/>
           </a:p>
@@ -1142,7 +1147,7 @@
           <a:p>
             <a:fld id="{641BC44A-1E90-41FA-B365-D27F57F1E3E7}" type="datetimeFigureOut">
               <a:rPr lang="es-MX" smtClean="0"/>
-              <a:t>17/06/2022</a:t>
+              <a:t>21/06/2022</a:t>
             </a:fld>
             <a:endParaRPr lang="es-MX"/>
           </a:p>
@@ -1410,7 +1415,7 @@
           <a:p>
             <a:fld id="{641BC44A-1E90-41FA-B365-D27F57F1E3E7}" type="datetimeFigureOut">
               <a:rPr lang="es-MX" smtClean="0"/>
-              <a:t>17/06/2022</a:t>
+              <a:t>21/06/2022</a:t>
             </a:fld>
             <a:endParaRPr lang="es-MX"/>
           </a:p>
@@ -1825,7 +1830,7 @@
           <a:p>
             <a:fld id="{641BC44A-1E90-41FA-B365-D27F57F1E3E7}" type="datetimeFigureOut">
               <a:rPr lang="es-MX" smtClean="0"/>
-              <a:t>17/06/2022</a:t>
+              <a:t>21/06/2022</a:t>
             </a:fld>
             <a:endParaRPr lang="es-MX"/>
           </a:p>
@@ -1967,7 +1972,7 @@
           <a:p>
             <a:fld id="{641BC44A-1E90-41FA-B365-D27F57F1E3E7}" type="datetimeFigureOut">
               <a:rPr lang="es-MX" smtClean="0"/>
-              <a:t>17/06/2022</a:t>
+              <a:t>21/06/2022</a:t>
             </a:fld>
             <a:endParaRPr lang="es-MX"/>
           </a:p>
@@ -2080,7 +2085,7 @@
           <a:p>
             <a:fld id="{641BC44A-1E90-41FA-B365-D27F57F1E3E7}" type="datetimeFigureOut">
               <a:rPr lang="es-MX" smtClean="0"/>
-              <a:t>17/06/2022</a:t>
+              <a:t>21/06/2022</a:t>
             </a:fld>
             <a:endParaRPr lang="es-MX"/>
           </a:p>
@@ -2393,7 +2398,7 @@
           <a:p>
             <a:fld id="{641BC44A-1E90-41FA-B365-D27F57F1E3E7}" type="datetimeFigureOut">
               <a:rPr lang="es-MX" smtClean="0"/>
-              <a:t>17/06/2022</a:t>
+              <a:t>21/06/2022</a:t>
             </a:fld>
             <a:endParaRPr lang="es-MX"/>
           </a:p>
@@ -2682,7 +2687,7 @@
           <a:p>
             <a:fld id="{641BC44A-1E90-41FA-B365-D27F57F1E3E7}" type="datetimeFigureOut">
               <a:rPr lang="es-MX" smtClean="0"/>
-              <a:t>17/06/2022</a:t>
+              <a:t>21/06/2022</a:t>
             </a:fld>
             <a:endParaRPr lang="es-MX"/>
           </a:p>
@@ -2925,7 +2930,7 @@
           <a:p>
             <a:fld id="{641BC44A-1E90-41FA-B365-D27F57F1E3E7}" type="datetimeFigureOut">
               <a:rPr lang="es-MX" smtClean="0"/>
-              <a:t>17/06/2022</a:t>
+              <a:t>21/06/2022</a:t>
             </a:fld>
             <a:endParaRPr lang="es-MX"/>
           </a:p>
@@ -3422,7 +3427,7 @@
             <a:avLst/>
           </a:prstGeom>
           <a:solidFill>
-            <a:srgbClr val="FFC000"/>
+            <a:schemeClr val="tx1"/>
           </a:solidFill>
           <a:ln>
             <a:noFill/>
@@ -3449,7 +3454,11 @@
           <a:lstStyle/>
           <a:p>
             <a:pPr algn="ctr"/>
-            <a:endParaRPr lang="es-MX" u="sng"/>
+            <a:endParaRPr lang="es-MX" u="sng">
+              <a:highlight>
+                <a:srgbClr val="000000"/>
+              </a:highlight>
+            </a:endParaRPr>
           </a:p>
         </p:txBody>
       </p:sp>
@@ -3474,7 +3483,7 @@
             <a:avLst/>
           </a:prstGeom>
           <a:solidFill>
-            <a:srgbClr val="FFC000"/>
+            <a:schemeClr val="tx1"/>
           </a:solidFill>
           <a:ln>
             <a:noFill/>
@@ -3501,7 +3510,11 @@
           <a:lstStyle/>
           <a:p>
             <a:pPr algn="ctr"/>
-            <a:endParaRPr lang="es-MX" u="sng"/>
+            <a:endParaRPr lang="es-MX" u="sng">
+              <a:highlight>
+                <a:srgbClr val="000000"/>
+              </a:highlight>
+            </a:endParaRPr>
           </a:p>
         </p:txBody>
       </p:sp>
@@ -3526,7 +3539,7 @@
             <a:avLst/>
           </a:prstGeom>
           <a:solidFill>
-            <a:srgbClr val="FFC000"/>
+            <a:schemeClr val="tx1"/>
           </a:solidFill>
           <a:ln>
             <a:noFill/>
@@ -3553,7 +3566,11 @@
           <a:lstStyle/>
           <a:p>
             <a:pPr algn="ctr"/>
-            <a:endParaRPr lang="es-MX" u="sng"/>
+            <a:endParaRPr lang="es-MX" u="sng">
+              <a:highlight>
+                <a:srgbClr val="000000"/>
+              </a:highlight>
+            </a:endParaRPr>
           </a:p>
         </p:txBody>
       </p:sp>
@@ -3578,7 +3595,7 @@
             <a:avLst/>
           </a:prstGeom>
           <a:solidFill>
-            <a:srgbClr val="FFC000"/>
+            <a:schemeClr val="tx1"/>
           </a:solidFill>
           <a:ln>
             <a:noFill/>
@@ -3605,7 +3622,11 @@
           <a:lstStyle/>
           <a:p>
             <a:pPr algn="ctr"/>
-            <a:endParaRPr lang="es-MX" u="sng"/>
+            <a:endParaRPr lang="es-MX" u="sng">
+              <a:highlight>
+                <a:srgbClr val="000000"/>
+              </a:highlight>
+            </a:endParaRPr>
           </a:p>
         </p:txBody>
       </p:sp>
@@ -3630,7 +3651,7 @@
             <a:avLst/>
           </a:prstGeom>
           <a:solidFill>
-            <a:srgbClr val="FFC000"/>
+            <a:schemeClr val="tx1"/>
           </a:solidFill>
           <a:ln>
             <a:noFill/>
@@ -3657,7 +3678,11 @@
           <a:lstStyle/>
           <a:p>
             <a:pPr algn="ctr"/>
-            <a:endParaRPr lang="es-MX" u="sng"/>
+            <a:endParaRPr lang="es-MX" u="sng">
+              <a:highlight>
+                <a:srgbClr val="000000"/>
+              </a:highlight>
+            </a:endParaRPr>
           </a:p>
         </p:txBody>
       </p:sp>
@@ -3682,7 +3707,7 @@
             <a:avLst/>
           </a:prstGeom>
           <a:solidFill>
-            <a:srgbClr val="FFC000"/>
+            <a:schemeClr val="tx1"/>
           </a:solidFill>
           <a:ln>
             <a:noFill/>
@@ -3709,7 +3734,11 @@
           <a:lstStyle/>
           <a:p>
             <a:pPr algn="ctr"/>
-            <a:endParaRPr lang="es-MX" u="sng"/>
+            <a:endParaRPr lang="es-MX" u="sng">
+              <a:highlight>
+                <a:srgbClr val="000000"/>
+              </a:highlight>
+            </a:endParaRPr>
           </a:p>
         </p:txBody>
       </p:sp>
@@ -3734,7 +3763,7 @@
             <a:avLst/>
           </a:prstGeom>
           <a:solidFill>
-            <a:srgbClr val="FFC000"/>
+            <a:schemeClr val="tx1"/>
           </a:solidFill>
           <a:ln>
             <a:noFill/>
@@ -3761,7 +3790,11 @@
           <a:lstStyle/>
           <a:p>
             <a:pPr algn="ctr"/>
-            <a:endParaRPr lang="es-MX" u="sng"/>
+            <a:endParaRPr lang="es-MX" u="sng">
+              <a:highlight>
+                <a:srgbClr val="000000"/>
+              </a:highlight>
+            </a:endParaRPr>
           </a:p>
         </p:txBody>
       </p:sp>
@@ -3786,7 +3819,7 @@
             <a:avLst/>
           </a:prstGeom>
           <a:solidFill>
-            <a:srgbClr val="FFC000"/>
+            <a:schemeClr val="tx1"/>
           </a:solidFill>
           <a:ln>
             <a:noFill/>
@@ -3813,7 +3846,11 @@
           <a:lstStyle/>
           <a:p>
             <a:pPr algn="ctr"/>
-            <a:endParaRPr lang="es-MX" u="sng"/>
+            <a:endParaRPr lang="es-MX" u="sng">
+              <a:highlight>
+                <a:srgbClr val="000000"/>
+              </a:highlight>
+            </a:endParaRPr>
           </a:p>
         </p:txBody>
       </p:sp>
@@ -3838,7 +3875,7 @@
             <a:avLst/>
           </a:prstGeom>
           <a:solidFill>
-            <a:srgbClr val="FFC000"/>
+            <a:schemeClr val="tx1"/>
           </a:solidFill>
           <a:ln>
             <a:noFill/>
@@ -3865,7 +3902,11 @@
           <a:lstStyle/>
           <a:p>
             <a:pPr algn="ctr"/>
-            <a:endParaRPr lang="es-MX" u="sng"/>
+            <a:endParaRPr lang="es-MX" u="sng">
+              <a:highlight>
+                <a:srgbClr val="000000"/>
+              </a:highlight>
+            </a:endParaRPr>
           </a:p>
         </p:txBody>
       </p:sp>
@@ -3890,7 +3931,7 @@
             <a:avLst/>
           </a:prstGeom>
           <a:solidFill>
-            <a:srgbClr val="FFC000"/>
+            <a:schemeClr val="tx1"/>
           </a:solidFill>
           <a:ln>
             <a:noFill/>
@@ -3917,7 +3958,11 @@
           <a:lstStyle/>
           <a:p>
             <a:pPr algn="ctr"/>
-            <a:endParaRPr lang="es-MX" u="sng"/>
+            <a:endParaRPr lang="es-MX" u="sng">
+              <a:highlight>
+                <a:srgbClr val="000000"/>
+              </a:highlight>
+            </a:endParaRPr>
           </a:p>
         </p:txBody>
       </p:sp>
@@ -3942,7 +3987,7 @@
             <a:avLst/>
           </a:prstGeom>
           <a:solidFill>
-            <a:srgbClr val="FFC000"/>
+            <a:schemeClr val="tx1"/>
           </a:solidFill>
           <a:ln>
             <a:noFill/>
@@ -3969,7 +4014,11 @@
           <a:lstStyle/>
           <a:p>
             <a:pPr algn="ctr"/>
-            <a:endParaRPr lang="es-MX" u="sng"/>
+            <a:endParaRPr lang="es-MX" u="sng">
+              <a:highlight>
+                <a:srgbClr val="000000"/>
+              </a:highlight>
+            </a:endParaRPr>
           </a:p>
         </p:txBody>
       </p:sp>
@@ -3994,7 +4043,7 @@
             <a:avLst/>
           </a:prstGeom>
           <a:solidFill>
-            <a:srgbClr val="FFC000"/>
+            <a:schemeClr val="tx1"/>
           </a:solidFill>
           <a:ln>
             <a:noFill/>
@@ -4021,7 +4070,11 @@
           <a:lstStyle/>
           <a:p>
             <a:pPr algn="ctr"/>
-            <a:endParaRPr lang="es-MX" u="sng"/>
+            <a:endParaRPr lang="es-MX" u="sng">
+              <a:highlight>
+                <a:srgbClr val="000000"/>
+              </a:highlight>
+            </a:endParaRPr>
           </a:p>
         </p:txBody>
       </p:sp>
@@ -4046,7 +4099,7 @@
             <a:avLst/>
           </a:prstGeom>
           <a:solidFill>
-            <a:srgbClr val="FFC000"/>
+            <a:schemeClr val="tx1"/>
           </a:solidFill>
           <a:ln>
             <a:noFill/>
@@ -4073,7 +4126,11 @@
           <a:lstStyle/>
           <a:p>
             <a:pPr algn="ctr"/>
-            <a:endParaRPr lang="es-MX" u="sng"/>
+            <a:endParaRPr lang="es-MX" u="sng">
+              <a:highlight>
+                <a:srgbClr val="000000"/>
+              </a:highlight>
+            </a:endParaRPr>
           </a:p>
         </p:txBody>
       </p:sp>
@@ -4098,7 +4155,7 @@
             <a:avLst/>
           </a:prstGeom>
           <a:solidFill>
-            <a:srgbClr val="FFC000"/>
+            <a:schemeClr val="tx1"/>
           </a:solidFill>
           <a:ln>
             <a:noFill/>
@@ -4125,7 +4182,11 @@
           <a:lstStyle/>
           <a:p>
             <a:pPr algn="ctr"/>
-            <a:endParaRPr lang="es-MX" u="sng"/>
+            <a:endParaRPr lang="es-MX" u="sng">
+              <a:highlight>
+                <a:srgbClr val="000000"/>
+              </a:highlight>
+            </a:endParaRPr>
           </a:p>
         </p:txBody>
       </p:sp>
@@ -4150,7 +4211,7 @@
             <a:avLst/>
           </a:prstGeom>
           <a:solidFill>
-            <a:srgbClr val="FFC000"/>
+            <a:schemeClr val="tx1"/>
           </a:solidFill>
           <a:ln>
             <a:noFill/>
@@ -4177,7 +4238,11 @@
           <a:lstStyle/>
           <a:p>
             <a:pPr algn="ctr"/>
-            <a:endParaRPr lang="es-MX" u="sng"/>
+            <a:endParaRPr lang="es-MX" u="sng">
+              <a:highlight>
+                <a:srgbClr val="000000"/>
+              </a:highlight>
+            </a:endParaRPr>
           </a:p>
         </p:txBody>
       </p:sp>
@@ -4202,7 +4267,7 @@
             <a:avLst/>
           </a:prstGeom>
           <a:solidFill>
-            <a:srgbClr val="FFC000"/>
+            <a:schemeClr val="tx1"/>
           </a:solidFill>
           <a:ln>
             <a:noFill/>
@@ -4229,7 +4294,11 @@
           <a:lstStyle/>
           <a:p>
             <a:pPr algn="ctr"/>
-            <a:endParaRPr lang="es-MX" u="sng"/>
+            <a:endParaRPr lang="es-MX" u="sng">
+              <a:highlight>
+                <a:srgbClr val="000000"/>
+              </a:highlight>
+            </a:endParaRPr>
           </a:p>
         </p:txBody>
       </p:sp>
@@ -4254,7 +4323,7 @@
             <a:avLst/>
           </a:prstGeom>
           <a:solidFill>
-            <a:srgbClr val="FFC000"/>
+            <a:schemeClr val="tx1"/>
           </a:solidFill>
           <a:ln>
             <a:noFill/>
@@ -4281,7 +4350,11 @@
           <a:lstStyle/>
           <a:p>
             <a:pPr algn="ctr"/>
-            <a:endParaRPr lang="es-MX" u="sng"/>
+            <a:endParaRPr lang="es-MX" u="sng">
+              <a:highlight>
+                <a:srgbClr val="000000"/>
+              </a:highlight>
+            </a:endParaRPr>
           </a:p>
         </p:txBody>
       </p:sp>
@@ -4306,7 +4379,7 @@
             <a:avLst/>
           </a:prstGeom>
           <a:solidFill>
-            <a:srgbClr val="FFC000"/>
+            <a:schemeClr val="tx1"/>
           </a:solidFill>
           <a:ln>
             <a:noFill/>
@@ -4333,7 +4406,11 @@
           <a:lstStyle/>
           <a:p>
             <a:pPr algn="ctr"/>
-            <a:endParaRPr lang="es-MX" u="sng"/>
+            <a:endParaRPr lang="es-MX" u="sng">
+              <a:highlight>
+                <a:srgbClr val="000000"/>
+              </a:highlight>
+            </a:endParaRPr>
           </a:p>
         </p:txBody>
       </p:sp>
@@ -4358,7 +4435,7 @@
             <a:avLst/>
           </a:prstGeom>
           <a:solidFill>
-            <a:srgbClr val="FFC000"/>
+            <a:schemeClr val="tx1"/>
           </a:solidFill>
           <a:ln>
             <a:noFill/>
@@ -4385,7 +4462,11 @@
           <a:lstStyle/>
           <a:p>
             <a:pPr algn="ctr"/>
-            <a:endParaRPr lang="es-MX" u="sng"/>
+            <a:endParaRPr lang="es-MX" u="sng">
+              <a:highlight>
+                <a:srgbClr val="000000"/>
+              </a:highlight>
+            </a:endParaRPr>
           </a:p>
         </p:txBody>
       </p:sp>
@@ -4410,7 +4491,7 @@
             <a:avLst/>
           </a:prstGeom>
           <a:solidFill>
-            <a:srgbClr val="FFC000"/>
+            <a:schemeClr val="tx1"/>
           </a:solidFill>
           <a:ln>
             <a:noFill/>
@@ -4437,7 +4518,11 @@
           <a:lstStyle/>
           <a:p>
             <a:pPr algn="ctr"/>
-            <a:endParaRPr lang="es-MX" u="sng"/>
+            <a:endParaRPr lang="es-MX" u="sng">
+              <a:highlight>
+                <a:srgbClr val="000000"/>
+              </a:highlight>
+            </a:endParaRPr>
           </a:p>
         </p:txBody>
       </p:sp>
@@ -4462,7 +4547,7 @@
             <a:avLst/>
           </a:prstGeom>
           <a:solidFill>
-            <a:srgbClr val="FFC000"/>
+            <a:schemeClr val="tx1"/>
           </a:solidFill>
           <a:ln>
             <a:noFill/>
@@ -4489,7 +4574,11 @@
           <a:lstStyle/>
           <a:p>
             <a:pPr algn="ctr"/>
-            <a:endParaRPr lang="es-MX" u="sng"/>
+            <a:endParaRPr lang="es-MX" u="sng">
+              <a:highlight>
+                <a:srgbClr val="000000"/>
+              </a:highlight>
+            </a:endParaRPr>
           </a:p>
         </p:txBody>
       </p:sp>
@@ -4514,7 +4603,7 @@
             <a:avLst/>
           </a:prstGeom>
           <a:solidFill>
-            <a:srgbClr val="FFC000"/>
+            <a:schemeClr val="tx1"/>
           </a:solidFill>
           <a:ln>
             <a:noFill/>
@@ -4541,7 +4630,11 @@
           <a:lstStyle/>
           <a:p>
             <a:pPr algn="ctr"/>
-            <a:endParaRPr lang="es-MX" u="sng"/>
+            <a:endParaRPr lang="es-MX" u="sng">
+              <a:highlight>
+                <a:srgbClr val="000000"/>
+              </a:highlight>
+            </a:endParaRPr>
           </a:p>
         </p:txBody>
       </p:sp>
@@ -4566,7 +4659,7 @@
             <a:avLst/>
           </a:prstGeom>
           <a:solidFill>
-            <a:srgbClr val="FFC000"/>
+            <a:schemeClr val="tx1"/>
           </a:solidFill>
           <a:ln>
             <a:noFill/>
@@ -4593,7 +4686,11 @@
           <a:lstStyle/>
           <a:p>
             <a:pPr algn="ctr"/>
-            <a:endParaRPr lang="es-MX" u="sng"/>
+            <a:endParaRPr lang="es-MX" u="sng">
+              <a:highlight>
+                <a:srgbClr val="000000"/>
+              </a:highlight>
+            </a:endParaRPr>
           </a:p>
         </p:txBody>
       </p:sp>
@@ -4618,7 +4715,7 @@
             <a:avLst/>
           </a:prstGeom>
           <a:solidFill>
-            <a:srgbClr val="FFC000"/>
+            <a:schemeClr val="tx1"/>
           </a:solidFill>
           <a:ln>
             <a:noFill/>
@@ -4645,7 +4742,11 @@
           <a:lstStyle/>
           <a:p>
             <a:pPr algn="ctr"/>
-            <a:endParaRPr lang="es-MX" u="sng"/>
+            <a:endParaRPr lang="es-MX" u="sng">
+              <a:highlight>
+                <a:srgbClr val="000000"/>
+              </a:highlight>
+            </a:endParaRPr>
           </a:p>
         </p:txBody>
       </p:sp>
@@ -4670,7 +4771,7 @@
             <a:avLst/>
           </a:prstGeom>
           <a:solidFill>
-            <a:srgbClr val="FFC000"/>
+            <a:schemeClr val="tx1"/>
           </a:solidFill>
           <a:ln>
             <a:noFill/>
@@ -4697,7 +4798,11 @@
           <a:lstStyle/>
           <a:p>
             <a:pPr algn="ctr"/>
-            <a:endParaRPr lang="es-MX" u="sng"/>
+            <a:endParaRPr lang="es-MX" u="sng">
+              <a:highlight>
+                <a:srgbClr val="000000"/>
+              </a:highlight>
+            </a:endParaRPr>
           </a:p>
         </p:txBody>
       </p:sp>
@@ -4722,7 +4827,7 @@
             <a:avLst/>
           </a:prstGeom>
           <a:solidFill>
-            <a:srgbClr val="FFC000"/>
+            <a:schemeClr val="tx1"/>
           </a:solidFill>
           <a:ln>
             <a:noFill/>
@@ -4749,7 +4854,11 @@
           <a:lstStyle/>
           <a:p>
             <a:pPr algn="ctr"/>
-            <a:endParaRPr lang="es-MX" u="sng"/>
+            <a:endParaRPr lang="es-MX" u="sng">
+              <a:highlight>
+                <a:srgbClr val="000000"/>
+              </a:highlight>
+            </a:endParaRPr>
           </a:p>
         </p:txBody>
       </p:sp>
@@ -4774,7 +4883,7 @@
             <a:avLst/>
           </a:prstGeom>
           <a:solidFill>
-            <a:srgbClr val="FFC000"/>
+            <a:schemeClr val="tx1"/>
           </a:solidFill>
           <a:ln>
             <a:noFill/>
@@ -4801,7 +4910,11 @@
           <a:lstStyle/>
           <a:p>
             <a:pPr algn="ctr"/>
-            <a:endParaRPr lang="es-MX" u="sng"/>
+            <a:endParaRPr lang="es-MX" u="sng">
+              <a:highlight>
+                <a:srgbClr val="000000"/>
+              </a:highlight>
+            </a:endParaRPr>
           </a:p>
         </p:txBody>
       </p:sp>
@@ -4826,7 +4939,7 @@
             <a:avLst/>
           </a:prstGeom>
           <a:solidFill>
-            <a:srgbClr val="FFC000"/>
+            <a:schemeClr val="tx1"/>
           </a:solidFill>
           <a:ln>
             <a:noFill/>
@@ -4853,7 +4966,11 @@
           <a:lstStyle/>
           <a:p>
             <a:pPr algn="ctr"/>
-            <a:endParaRPr lang="es-MX" u="sng"/>
+            <a:endParaRPr lang="es-MX" u="sng">
+              <a:highlight>
+                <a:srgbClr val="000000"/>
+              </a:highlight>
+            </a:endParaRPr>
           </a:p>
         </p:txBody>
       </p:sp>
@@ -4878,7 +4995,7 @@
             <a:avLst/>
           </a:prstGeom>
           <a:solidFill>
-            <a:srgbClr val="FFC000"/>
+            <a:schemeClr val="tx1"/>
           </a:solidFill>
           <a:ln>
             <a:noFill/>
@@ -4905,7 +5022,11 @@
           <a:lstStyle/>
           <a:p>
             <a:pPr algn="ctr"/>
-            <a:endParaRPr lang="es-MX" u="sng"/>
+            <a:endParaRPr lang="es-MX" u="sng">
+              <a:highlight>
+                <a:srgbClr val="000000"/>
+              </a:highlight>
+            </a:endParaRPr>
           </a:p>
         </p:txBody>
       </p:sp>
@@ -4930,7 +5051,7 @@
             <a:avLst/>
           </a:prstGeom>
           <a:solidFill>
-            <a:srgbClr val="FFC000"/>
+            <a:schemeClr val="tx1"/>
           </a:solidFill>
           <a:ln>
             <a:noFill/>
@@ -4957,7 +5078,11 @@
           <a:lstStyle/>
           <a:p>
             <a:pPr algn="ctr"/>
-            <a:endParaRPr lang="es-MX" u="sng"/>
+            <a:endParaRPr lang="es-MX" u="sng">
+              <a:highlight>
+                <a:srgbClr val="000000"/>
+              </a:highlight>
+            </a:endParaRPr>
           </a:p>
         </p:txBody>
       </p:sp>
@@ -4982,7 +5107,7 @@
             <a:avLst/>
           </a:prstGeom>
           <a:solidFill>
-            <a:srgbClr val="FFC000"/>
+            <a:schemeClr val="tx1"/>
           </a:solidFill>
           <a:ln>
             <a:noFill/>
@@ -5009,7 +5134,11 @@
           <a:lstStyle/>
           <a:p>
             <a:pPr algn="ctr"/>
-            <a:endParaRPr lang="es-MX" u="sng"/>
+            <a:endParaRPr lang="es-MX" u="sng">
+              <a:highlight>
+                <a:srgbClr val="000000"/>
+              </a:highlight>
+            </a:endParaRPr>
           </a:p>
         </p:txBody>
       </p:sp>
@@ -5034,7 +5163,7 @@
             <a:avLst/>
           </a:prstGeom>
           <a:solidFill>
-            <a:srgbClr val="FFC000"/>
+            <a:schemeClr val="tx1"/>
           </a:solidFill>
           <a:ln>
             <a:noFill/>
@@ -5061,7 +5190,11 @@
           <a:lstStyle/>
           <a:p>
             <a:pPr algn="ctr"/>
-            <a:endParaRPr lang="es-MX" u="sng"/>
+            <a:endParaRPr lang="es-MX" u="sng">
+              <a:highlight>
+                <a:srgbClr val="000000"/>
+              </a:highlight>
+            </a:endParaRPr>
           </a:p>
         </p:txBody>
       </p:sp>
